--- a/map reverse-engineering.pptx
+++ b/map reverse-engineering.pptx
@@ -288,7 +288,7 @@
           <a:p>
             <a:fld id="{9E85B01F-D88E-2D43-AB93-B1DCF39158D3}" type="datetimeFigureOut">
               <a:rPr lang="en-US" smtClean="0"/>
-              <a:t>18/12/2013</a:t>
+              <a:t>22/12/2013</a:t>
             </a:fld>
             <a:endParaRPr lang="en-US"/>
           </a:p>
@@ -458,7 +458,7 @@
           <a:p>
             <a:fld id="{9E85B01F-D88E-2D43-AB93-B1DCF39158D3}" type="datetimeFigureOut">
               <a:rPr lang="en-US" smtClean="0"/>
-              <a:t>18/12/2013</a:t>
+              <a:t>22/12/2013</a:t>
             </a:fld>
             <a:endParaRPr lang="en-US"/>
           </a:p>
@@ -638,7 +638,7 @@
           <a:p>
             <a:fld id="{9E85B01F-D88E-2D43-AB93-B1DCF39158D3}" type="datetimeFigureOut">
               <a:rPr lang="en-US" smtClean="0"/>
-              <a:t>18/12/2013</a:t>
+              <a:t>22/12/2013</a:t>
             </a:fld>
             <a:endParaRPr lang="en-US"/>
           </a:p>
@@ -808,7 +808,7 @@
           <a:p>
             <a:fld id="{9E85B01F-D88E-2D43-AB93-B1DCF39158D3}" type="datetimeFigureOut">
               <a:rPr lang="en-US" smtClean="0"/>
-              <a:t>18/12/2013</a:t>
+              <a:t>22/12/2013</a:t>
             </a:fld>
             <a:endParaRPr lang="en-US"/>
           </a:p>
@@ -1054,7 +1054,7 @@
           <a:p>
             <a:fld id="{9E85B01F-D88E-2D43-AB93-B1DCF39158D3}" type="datetimeFigureOut">
               <a:rPr lang="en-US" smtClean="0"/>
-              <a:t>18/12/2013</a:t>
+              <a:t>22/12/2013</a:t>
             </a:fld>
             <a:endParaRPr lang="en-US"/>
           </a:p>
@@ -1342,7 +1342,7 @@
           <a:p>
             <a:fld id="{9E85B01F-D88E-2D43-AB93-B1DCF39158D3}" type="datetimeFigureOut">
               <a:rPr lang="en-US" smtClean="0"/>
-              <a:t>18/12/2013</a:t>
+              <a:t>22/12/2013</a:t>
             </a:fld>
             <a:endParaRPr lang="en-US"/>
           </a:p>
@@ -1764,7 +1764,7 @@
           <a:p>
             <a:fld id="{9E85B01F-D88E-2D43-AB93-B1DCF39158D3}" type="datetimeFigureOut">
               <a:rPr lang="en-US" smtClean="0"/>
-              <a:t>18/12/2013</a:t>
+              <a:t>22/12/2013</a:t>
             </a:fld>
             <a:endParaRPr lang="en-US"/>
           </a:p>
@@ -1882,7 +1882,7 @@
           <a:p>
             <a:fld id="{9E85B01F-D88E-2D43-AB93-B1DCF39158D3}" type="datetimeFigureOut">
               <a:rPr lang="en-US" smtClean="0"/>
-              <a:t>18/12/2013</a:t>
+              <a:t>22/12/2013</a:t>
             </a:fld>
             <a:endParaRPr lang="en-US"/>
           </a:p>
@@ -1977,7 +1977,7 @@
           <a:p>
             <a:fld id="{9E85B01F-D88E-2D43-AB93-B1DCF39158D3}" type="datetimeFigureOut">
               <a:rPr lang="en-US" smtClean="0"/>
-              <a:t>18/12/2013</a:t>
+              <a:t>22/12/2013</a:t>
             </a:fld>
             <a:endParaRPr lang="en-US"/>
           </a:p>
@@ -2254,7 +2254,7 @@
           <a:p>
             <a:fld id="{9E85B01F-D88E-2D43-AB93-B1DCF39158D3}" type="datetimeFigureOut">
               <a:rPr lang="en-US" smtClean="0"/>
-              <a:t>18/12/2013</a:t>
+              <a:t>22/12/2013</a:t>
             </a:fld>
             <a:endParaRPr lang="en-US"/>
           </a:p>
@@ -2507,7 +2507,7 @@
           <a:p>
             <a:fld id="{9E85B01F-D88E-2D43-AB93-B1DCF39158D3}" type="datetimeFigureOut">
               <a:rPr lang="en-US" smtClean="0"/>
-              <a:t>18/12/2013</a:t>
+              <a:t>22/12/2013</a:t>
             </a:fld>
             <a:endParaRPr lang="en-US"/>
           </a:p>
@@ -2720,7 +2720,7 @@
           <a:p>
             <a:fld id="{9E85B01F-D88E-2D43-AB93-B1DCF39158D3}" type="datetimeFigureOut">
               <a:rPr lang="en-US" smtClean="0"/>
-              <a:t>18/12/2013</a:t>
+              <a:t>22/12/2013</a:t>
             </a:fld>
             <a:endParaRPr lang="en-US"/>
           </a:p>

--- a/map reverse-engineering.pptx
+++ b/map reverse-engineering.pptx
@@ -7,7 +7,7 @@
   <p:sldIdLst>
     <p:sldId id="256" r:id="rId2"/>
   </p:sldIdLst>
-  <p:sldSz cx="9144000" cy="6858000" type="screen4x3"/>
+  <p:sldSz cx="9144000" cy="5143500" type="screen16x9"/>
   <p:notesSz cx="6858000" cy="9144000"/>
   <p:defaultTextStyle>
     <a:defPPr>
@@ -136,8 +136,8 @@
         </p:nvSpPr>
         <p:spPr>
           <a:xfrm>
-            <a:off x="685800" y="2130425"/>
-            <a:ext cx="7772400" cy="1470025"/>
+            <a:off x="685800" y="1597821"/>
+            <a:ext cx="7772400" cy="1102519"/>
           </a:xfrm>
         </p:spPr>
         <p:txBody>
@@ -164,8 +164,8 @@
         </p:nvSpPr>
         <p:spPr>
           <a:xfrm>
-            <a:off x="1371600" y="3886200"/>
-            <a:ext cx="6400800" cy="1752600"/>
+            <a:off x="1371600" y="2914650"/>
+            <a:ext cx="6400800" cy="1314450"/>
           </a:xfrm>
         </p:spPr>
         <p:txBody>
@@ -288,7 +288,7 @@
           <a:p>
             <a:fld id="{9E85B01F-D88E-2D43-AB93-B1DCF39158D3}" type="datetimeFigureOut">
               <a:rPr lang="en-US" smtClean="0"/>
-              <a:t>18/12/2013</a:t>
+              <a:t>22/12/2013</a:t>
             </a:fld>
             <a:endParaRPr lang="en-US"/>
           </a:p>
@@ -458,7 +458,7 @@
           <a:p>
             <a:fld id="{9E85B01F-D88E-2D43-AB93-B1DCF39158D3}" type="datetimeFigureOut">
               <a:rPr lang="en-US" smtClean="0"/>
-              <a:t>18/12/2013</a:t>
+              <a:t>22/12/2013</a:t>
             </a:fld>
             <a:endParaRPr lang="en-US"/>
           </a:p>
@@ -548,8 +548,8 @@
         </p:nvSpPr>
         <p:spPr>
           <a:xfrm>
-            <a:off x="6629400" y="274638"/>
-            <a:ext cx="2057400" cy="5851525"/>
+            <a:off x="6629400" y="205980"/>
+            <a:ext cx="2057400" cy="4388644"/>
           </a:xfrm>
         </p:spPr>
         <p:txBody>
@@ -576,8 +576,8 @@
         </p:nvSpPr>
         <p:spPr>
           <a:xfrm>
-            <a:off x="457200" y="274638"/>
-            <a:ext cx="6019800" cy="5851525"/>
+            <a:off x="457200" y="205980"/>
+            <a:ext cx="6019800" cy="4388644"/>
           </a:xfrm>
         </p:spPr>
         <p:txBody>
@@ -638,7 +638,7 @@
           <a:p>
             <a:fld id="{9E85B01F-D88E-2D43-AB93-B1DCF39158D3}" type="datetimeFigureOut">
               <a:rPr lang="en-US" smtClean="0"/>
-              <a:t>18/12/2013</a:t>
+              <a:t>22/12/2013</a:t>
             </a:fld>
             <a:endParaRPr lang="en-US"/>
           </a:p>
@@ -808,7 +808,7 @@
           <a:p>
             <a:fld id="{9E85B01F-D88E-2D43-AB93-B1DCF39158D3}" type="datetimeFigureOut">
               <a:rPr lang="en-US" smtClean="0"/>
-              <a:t>18/12/2013</a:t>
+              <a:t>22/12/2013</a:t>
             </a:fld>
             <a:endParaRPr lang="en-US"/>
           </a:p>
@@ -898,8 +898,8 @@
         </p:nvSpPr>
         <p:spPr>
           <a:xfrm>
-            <a:off x="722313" y="4406900"/>
-            <a:ext cx="7772400" cy="1362075"/>
+            <a:off x="722313" y="3305176"/>
+            <a:ext cx="7772400" cy="1021556"/>
           </a:xfrm>
         </p:spPr>
         <p:txBody>
@@ -930,8 +930,8 @@
         </p:nvSpPr>
         <p:spPr>
           <a:xfrm>
-            <a:off x="722313" y="2906713"/>
-            <a:ext cx="7772400" cy="1500187"/>
+            <a:off x="722313" y="2180035"/>
+            <a:ext cx="7772400" cy="1125140"/>
           </a:xfrm>
         </p:spPr>
         <p:txBody>
@@ -1054,7 +1054,7 @@
           <a:p>
             <a:fld id="{9E85B01F-D88E-2D43-AB93-B1DCF39158D3}" type="datetimeFigureOut">
               <a:rPr lang="en-US" smtClean="0"/>
-              <a:t>18/12/2013</a:t>
+              <a:t>22/12/2013</a:t>
             </a:fld>
             <a:endParaRPr lang="en-US"/>
           </a:p>
@@ -1167,8 +1167,8 @@
         </p:nvSpPr>
         <p:spPr>
           <a:xfrm>
-            <a:off x="457200" y="1600200"/>
-            <a:ext cx="4038600" cy="4525963"/>
+            <a:off x="457200" y="1200151"/>
+            <a:ext cx="4038600" cy="3394472"/>
           </a:xfrm>
         </p:spPr>
         <p:txBody>
@@ -1252,8 +1252,8 @@
         </p:nvSpPr>
         <p:spPr>
           <a:xfrm>
-            <a:off x="4648200" y="1600200"/>
-            <a:ext cx="4038600" cy="4525963"/>
+            <a:off x="4648200" y="1200151"/>
+            <a:ext cx="4038600" cy="3394472"/>
           </a:xfrm>
         </p:spPr>
         <p:txBody>
@@ -1342,7 +1342,7 @@
           <a:p>
             <a:fld id="{9E85B01F-D88E-2D43-AB93-B1DCF39158D3}" type="datetimeFigureOut">
               <a:rPr lang="en-US" smtClean="0"/>
-              <a:t>18/12/2013</a:t>
+              <a:t>22/12/2013</a:t>
             </a:fld>
             <a:endParaRPr lang="en-US"/>
           </a:p>
@@ -1459,8 +1459,8 @@
         </p:nvSpPr>
         <p:spPr>
           <a:xfrm>
-            <a:off x="457200" y="1535113"/>
-            <a:ext cx="4040188" cy="639762"/>
+            <a:off x="457200" y="1151335"/>
+            <a:ext cx="4040188" cy="479822"/>
           </a:xfrm>
         </p:spPr>
         <p:txBody>
@@ -1524,8 +1524,8 @@
         </p:nvSpPr>
         <p:spPr>
           <a:xfrm>
-            <a:off x="457200" y="2174875"/>
-            <a:ext cx="4040188" cy="3951288"/>
+            <a:off x="457200" y="1631156"/>
+            <a:ext cx="4040188" cy="2963466"/>
           </a:xfrm>
         </p:spPr>
         <p:txBody>
@@ -1609,8 +1609,8 @@
         </p:nvSpPr>
         <p:spPr>
           <a:xfrm>
-            <a:off x="4645025" y="1535113"/>
-            <a:ext cx="4041775" cy="639762"/>
+            <a:off x="4645030" y="1151335"/>
+            <a:ext cx="4041775" cy="479822"/>
           </a:xfrm>
         </p:spPr>
         <p:txBody>
@@ -1674,8 +1674,8 @@
         </p:nvSpPr>
         <p:spPr>
           <a:xfrm>
-            <a:off x="4645025" y="2174875"/>
-            <a:ext cx="4041775" cy="3951288"/>
+            <a:off x="4645030" y="1631156"/>
+            <a:ext cx="4041775" cy="2963466"/>
           </a:xfrm>
         </p:spPr>
         <p:txBody>
@@ -1764,7 +1764,7 @@
           <a:p>
             <a:fld id="{9E85B01F-D88E-2D43-AB93-B1DCF39158D3}" type="datetimeFigureOut">
               <a:rPr lang="en-US" smtClean="0"/>
-              <a:t>18/12/2013</a:t>
+              <a:t>22/12/2013</a:t>
             </a:fld>
             <a:endParaRPr lang="en-US"/>
           </a:p>
@@ -1882,7 +1882,7 @@
           <a:p>
             <a:fld id="{9E85B01F-D88E-2D43-AB93-B1DCF39158D3}" type="datetimeFigureOut">
               <a:rPr lang="en-US" smtClean="0"/>
-              <a:t>18/12/2013</a:t>
+              <a:t>22/12/2013</a:t>
             </a:fld>
             <a:endParaRPr lang="en-US"/>
           </a:p>
@@ -1977,7 +1977,7 @@
           <a:p>
             <a:fld id="{9E85B01F-D88E-2D43-AB93-B1DCF39158D3}" type="datetimeFigureOut">
               <a:rPr lang="en-US" smtClean="0"/>
-              <a:t>18/12/2013</a:t>
+              <a:t>22/12/2013</a:t>
             </a:fld>
             <a:endParaRPr lang="en-US"/>
           </a:p>
@@ -2067,8 +2067,8 @@
         </p:nvSpPr>
         <p:spPr>
           <a:xfrm>
-            <a:off x="457200" y="273050"/>
-            <a:ext cx="3008313" cy="1162050"/>
+            <a:off x="457205" y="204787"/>
+            <a:ext cx="3008313" cy="871538"/>
           </a:xfrm>
         </p:spPr>
         <p:txBody>
@@ -2099,8 +2099,8 @@
         </p:nvSpPr>
         <p:spPr>
           <a:xfrm>
-            <a:off x="3575050" y="273050"/>
-            <a:ext cx="5111750" cy="5853113"/>
+            <a:off x="3575050" y="204790"/>
+            <a:ext cx="5111750" cy="4389835"/>
           </a:xfrm>
         </p:spPr>
         <p:txBody>
@@ -2184,8 +2184,8 @@
         </p:nvSpPr>
         <p:spPr>
           <a:xfrm>
-            <a:off x="457200" y="1435100"/>
-            <a:ext cx="3008313" cy="4691063"/>
+            <a:off x="457205" y="1076328"/>
+            <a:ext cx="3008313" cy="3518297"/>
           </a:xfrm>
         </p:spPr>
         <p:txBody>
@@ -2254,7 +2254,7 @@
           <a:p>
             <a:fld id="{9E85B01F-D88E-2D43-AB93-B1DCF39158D3}" type="datetimeFigureOut">
               <a:rPr lang="en-US" smtClean="0"/>
-              <a:t>18/12/2013</a:t>
+              <a:t>22/12/2013</a:t>
             </a:fld>
             <a:endParaRPr lang="en-US"/>
           </a:p>
@@ -2344,8 +2344,8 @@
         </p:nvSpPr>
         <p:spPr>
           <a:xfrm>
-            <a:off x="1792288" y="4800600"/>
-            <a:ext cx="5486400" cy="566738"/>
+            <a:off x="1792288" y="3600451"/>
+            <a:ext cx="5486400" cy="425054"/>
           </a:xfrm>
         </p:spPr>
         <p:txBody>
@@ -2376,8 +2376,8 @@
         </p:nvSpPr>
         <p:spPr>
           <a:xfrm>
-            <a:off x="1792288" y="612775"/>
-            <a:ext cx="5486400" cy="4114800"/>
+            <a:off x="1792288" y="459581"/>
+            <a:ext cx="5486400" cy="3086100"/>
           </a:xfrm>
         </p:spPr>
         <p:txBody>
@@ -2437,8 +2437,8 @@
         </p:nvSpPr>
         <p:spPr>
           <a:xfrm>
-            <a:off x="1792288" y="5367338"/>
-            <a:ext cx="5486400" cy="804862"/>
+            <a:off x="1792288" y="4025505"/>
+            <a:ext cx="5486400" cy="603647"/>
           </a:xfrm>
         </p:spPr>
         <p:txBody>
@@ -2507,7 +2507,7 @@
           <a:p>
             <a:fld id="{9E85B01F-D88E-2D43-AB93-B1DCF39158D3}" type="datetimeFigureOut">
               <a:rPr lang="en-US" smtClean="0"/>
-              <a:t>18/12/2013</a:t>
+              <a:t>22/12/2013</a:t>
             </a:fld>
             <a:endParaRPr lang="en-US"/>
           </a:p>
@@ -2602,8 +2602,8 @@
         </p:nvSpPr>
         <p:spPr>
           <a:xfrm>
-            <a:off x="457200" y="274638"/>
-            <a:ext cx="8229600" cy="1143000"/>
+            <a:off x="457200" y="205979"/>
+            <a:ext cx="8229600" cy="857250"/>
           </a:xfrm>
           <a:prstGeom prst="rect">
             <a:avLst/>
@@ -2635,8 +2635,8 @@
         </p:nvSpPr>
         <p:spPr>
           <a:xfrm>
-            <a:off x="457200" y="1600200"/>
-            <a:ext cx="8229600" cy="4525963"/>
+            <a:off x="457200" y="1200151"/>
+            <a:ext cx="8229600" cy="3394472"/>
           </a:xfrm>
           <a:prstGeom prst="rect">
             <a:avLst/>
@@ -2697,8 +2697,8 @@
         </p:nvSpPr>
         <p:spPr>
           <a:xfrm>
-            <a:off x="457200" y="6356350"/>
-            <a:ext cx="2133600" cy="365125"/>
+            <a:off x="457200" y="4767264"/>
+            <a:ext cx="2133600" cy="273844"/>
           </a:xfrm>
           <a:prstGeom prst="rect">
             <a:avLst/>
@@ -2720,7 +2720,7 @@
           <a:p>
             <a:fld id="{9E85B01F-D88E-2D43-AB93-B1DCF39158D3}" type="datetimeFigureOut">
               <a:rPr lang="en-US" smtClean="0"/>
-              <a:t>18/12/2013</a:t>
+              <a:t>22/12/2013</a:t>
             </a:fld>
             <a:endParaRPr lang="en-US"/>
           </a:p>
@@ -2738,8 +2738,8 @@
         </p:nvSpPr>
         <p:spPr>
           <a:xfrm>
-            <a:off x="3124200" y="6356350"/>
-            <a:ext cx="2895600" cy="365125"/>
+            <a:off x="3124200" y="4767264"/>
+            <a:ext cx="2895600" cy="273844"/>
           </a:xfrm>
           <a:prstGeom prst="rect">
             <a:avLst/>
@@ -2775,8 +2775,8 @@
         </p:nvSpPr>
         <p:spPr>
           <a:xfrm>
-            <a:off x="6553200" y="6356350"/>
-            <a:ext cx="2133600" cy="365125"/>
+            <a:off x="6553200" y="4767264"/>
+            <a:ext cx="2133600" cy="273844"/>
           </a:xfrm>
           <a:prstGeom prst="rect">
             <a:avLst/>
@@ -3097,7 +3097,7 @@
       </p:grpSpPr>
       <p:pic>
         <p:nvPicPr>
-          <p:cNvPr id="4" name="Picture 3" descr="Screen Shot 2013-12-18 at 10.25.04.png"/>
+          <p:cNvPr id="6" name="Picture 5" descr="Screen Shot 2013-12-18 at 10.25.04.png"/>
           <p:cNvPicPr>
             <a:picLocks noChangeAspect="1"/>
           </p:cNvPicPr>
@@ -3117,8 +3117,38 @@
         </p:blipFill>
         <p:spPr>
           <a:xfrm>
-            <a:off x="1854200" y="0"/>
-            <a:ext cx="5428496" cy="6858000"/>
+            <a:off x="334822" y="0"/>
+            <a:ext cx="4087091" cy="5163358"/>
+          </a:xfrm>
+          <a:prstGeom prst="rect">
+            <a:avLst/>
+          </a:prstGeom>
+        </p:spPr>
+      </p:pic>
+      <p:pic>
+        <p:nvPicPr>
+          <p:cNvPr id="7" name="Picture 6" descr="Screen Shot 2013-12-18 at 13.57.43.png"/>
+          <p:cNvPicPr>
+            <a:picLocks noChangeAspect="1"/>
+          </p:cNvPicPr>
+          <p:nvPr/>
+        </p:nvPicPr>
+        <p:blipFill>
+          <a:blip r:embed="rId3">
+            <a:extLst>
+              <a:ext uri="{28A0092B-C50C-407E-A947-70E740481C1C}">
+                <a14:useLocalDpi xmlns:a14="http://schemas.microsoft.com/office/drawing/2010/main" val="0"/>
+              </a:ext>
+            </a:extLst>
+          </a:blip>
+          <a:stretch>
+            <a:fillRect/>
+          </a:stretch>
+        </p:blipFill>
+        <p:spPr>
+          <a:xfrm>
+            <a:off x="3825112" y="864638"/>
+            <a:ext cx="3433937" cy="4298720"/>
           </a:xfrm>
           <a:prstGeom prst="rect">
             <a:avLst/>

--- a/map reverse-engineering.pptx
+++ b/map reverse-engineering.pptx
@@ -3104,10 +3104,10 @@
           <p:nvPr/>
         </p:nvPicPr>
         <p:blipFill>
-          <a:blip r:embed="rId2">
+          <a:blip r:embed="rId2" cstate="screen">
             <a:extLst>
               <a:ext uri="{28A0092B-C50C-407E-A947-70E740481C1C}">
-                <a14:useLocalDpi xmlns:a14="http://schemas.microsoft.com/office/drawing/2010/main" val="0"/>
+                <a14:useLocalDpi xmlns:a14="http://schemas.microsoft.com/office/drawing/2010/main"/>
               </a:ext>
             </a:extLst>
           </a:blip>
@@ -3117,7 +3117,7 @@
         </p:blipFill>
         <p:spPr>
           <a:xfrm>
-            <a:off x="334822" y="0"/>
+            <a:off x="0" y="-19858"/>
             <a:ext cx="4087091" cy="5163358"/>
           </a:xfrm>
           <a:prstGeom prst="rect">
@@ -3134,10 +3134,10 @@
           <p:nvPr/>
         </p:nvPicPr>
         <p:blipFill>
-          <a:blip r:embed="rId3">
+          <a:blip r:embed="rId3" cstate="screen">
             <a:extLst>
               <a:ext uri="{28A0092B-C50C-407E-A947-70E740481C1C}">
-                <a14:useLocalDpi xmlns:a14="http://schemas.microsoft.com/office/drawing/2010/main" val="0"/>
+                <a14:useLocalDpi xmlns:a14="http://schemas.microsoft.com/office/drawing/2010/main"/>
               </a:ext>
             </a:extLst>
           </a:blip>
@@ -3147,7 +3147,7 @@
         </p:blipFill>
         <p:spPr>
           <a:xfrm>
-            <a:off x="3825112" y="864638"/>
+            <a:off x="3490290" y="828602"/>
             <a:ext cx="3433937" cy="4298720"/>
           </a:xfrm>
           <a:prstGeom prst="rect">
@@ -3155,6 +3155,128 @@
           </a:prstGeom>
         </p:spPr>
       </p:pic>
+      <p:sp>
+        <p:nvSpPr>
+          <p:cNvPr id="2" name="TextBox 1"/>
+          <p:cNvSpPr txBox="1"/>
+          <p:nvPr/>
+        </p:nvSpPr>
+        <p:spPr>
+          <a:xfrm>
+            <a:off x="6924226" y="0"/>
+            <a:ext cx="2219773" cy="5127322"/>
+          </a:xfrm>
+          <a:prstGeom prst="rect">
+            <a:avLst/>
+          </a:prstGeom>
+          <a:noFill/>
+        </p:spPr>
+        <p:txBody>
+          <a:bodyPr wrap="square" rtlCol="0">
+            <a:noAutofit/>
+          </a:bodyPr>
+          <a:lstStyle/>
+          <a:p>
+            <a:r>
+              <a:rPr lang="en-GB" sz="1200" dirty="0" smtClean="0"/>
+              <a:t>This PowerPoint is used just to read the map, square by square, and facilitate the creation of the data.csv file.</a:t>
+            </a:r>
+          </a:p>
+          <a:p>
+            <a:endParaRPr lang="en-GB" sz="1200" dirty="0" smtClean="0"/>
+          </a:p>
+          <a:p>
+            <a:r>
+              <a:rPr lang="en-GB" sz="1200" dirty="0" smtClean="0"/>
+              <a:t>The areas under consideration appear to have been defined by DECC as 10,000 x 10,000 squares, matching exactly the OS’ easting/northing grid. </a:t>
+            </a:r>
+          </a:p>
+          <a:p>
+            <a:endParaRPr lang="en-GB" sz="1200" dirty="0"/>
+          </a:p>
+          <a:p>
+            <a:r>
+              <a:rPr lang="en-GB" sz="1200" dirty="0" smtClean="0"/>
+              <a:t>The existing licences have more irregular shapes, much more difficult to measure from the map. Even zooming-in in the original PDF you can’t get to a level where the borders are clear.</a:t>
+            </a:r>
+          </a:p>
+          <a:p>
+            <a:endParaRPr lang="en-GB" sz="1200" dirty="0"/>
+          </a:p>
+          <a:p>
+            <a:r>
+              <a:rPr lang="en-GB" sz="1200" dirty="0" smtClean="0"/>
+              <a:t>Anyone who knows if the data behind these maps is available in a readable format is </a:t>
+            </a:r>
+            <a:r>
+              <a:rPr lang="en-GB" sz="1200" smtClean="0"/>
+              <a:t>very welcome.</a:t>
+            </a:r>
+            <a:endParaRPr lang="en-GB" sz="1200" dirty="0"/>
+          </a:p>
+        </p:txBody>
+      </p:sp>
+      <p:sp>
+        <p:nvSpPr>
+          <p:cNvPr id="3" name="TextBox 2"/>
+          <p:cNvSpPr txBox="1"/>
+          <p:nvPr/>
+        </p:nvSpPr>
+        <p:spPr>
+          <a:xfrm>
+            <a:off x="4087091" y="7514"/>
+            <a:ext cx="736480" cy="821087"/>
+          </a:xfrm>
+          <a:prstGeom prst="rect">
+            <a:avLst/>
+          </a:prstGeom>
+          <a:noFill/>
+        </p:spPr>
+        <p:txBody>
+          <a:bodyPr wrap="square" rtlCol="0" anchor="ctr" anchorCtr="0">
+            <a:noAutofit/>
+          </a:bodyPr>
+          <a:lstStyle/>
+          <a:p>
+            <a:r>
+              <a:rPr lang="en-US" sz="1100" dirty="0" smtClean="0"/>
+              <a:t>NTS 1</a:t>
+            </a:r>
+            <a:endParaRPr lang="en-US" sz="1100" dirty="0"/>
+          </a:p>
+        </p:txBody>
+      </p:sp>
+      <p:sp>
+        <p:nvSpPr>
+          <p:cNvPr id="8" name="TextBox 7"/>
+          <p:cNvSpPr txBox="1"/>
+          <p:nvPr/>
+        </p:nvSpPr>
+        <p:spPr>
+          <a:xfrm>
+            <a:off x="3490290" y="566992"/>
+            <a:ext cx="3433936" cy="261610"/>
+          </a:xfrm>
+          <a:prstGeom prst="rect">
+            <a:avLst/>
+          </a:prstGeom>
+          <a:noFill/>
+        </p:spPr>
+        <p:txBody>
+          <a:bodyPr wrap="square" rtlCol="0">
+            <a:spAutoFit/>
+          </a:bodyPr>
+          <a:lstStyle/>
+          <a:p>
+            <a:pPr algn="ctr"/>
+            <a:r>
+              <a:rPr lang="en-US" sz="1100" dirty="0" smtClean="0"/>
+              <a:t>NTS 2</a:t>
+            </a:r>
+            <a:endParaRPr lang="en-US" sz="1100" dirty="0"/>
+          </a:p>
+        </p:txBody>
+      </p:sp>
     </p:spTree>
     <p:extLst>
       <p:ext uri="{BB962C8B-B14F-4D97-AF65-F5344CB8AC3E}">
